--- a/문서산출물/발표자료/[PG]프로젝트발표자료_준식쓰와형님들.pptx
+++ b/문서산출물/발표자료/[PG]프로젝트발표자료_준식쓰와형님들.pptx
@@ -5,7 +5,7 @@
     <p:sldMasterId id="2147483648" r:id="rId1"/>
   </p:sldMasterIdLst>
   <p:notesMasterIdLst>
-    <p:notesMasterId r:id="rId15"/>
+    <p:notesMasterId r:id="rId16"/>
   </p:notesMasterIdLst>
   <p:sldIdLst>
     <p:sldId id="256" r:id="rId2"/>
@@ -19,8 +19,9 @@
     <p:sldId id="279" r:id="rId10"/>
     <p:sldId id="280" r:id="rId11"/>
     <p:sldId id="275" r:id="rId12"/>
-    <p:sldId id="268" r:id="rId13"/>
-    <p:sldId id="269" r:id="rId14"/>
+    <p:sldId id="281" r:id="rId13"/>
+    <p:sldId id="268" r:id="rId14"/>
+    <p:sldId id="269" r:id="rId15"/>
   </p:sldIdLst>
   <p:sldSz cx="12192000" cy="6858000"/>
   <p:notesSz cx="6858000" cy="9144000"/>
@@ -209,7 +210,7 @@
           <a:p>
             <a:fld id="{E73727FA-96F2-4585-AC38-8365A279DEE8}" type="datetimeFigureOut">
               <a:rPr lang="ko-KR" altLang="en-US" smtClean="0"/>
-              <a:t>2019-12-06</a:t>
+              <a:t>2019-12-07</a:t>
             </a:fld>
             <a:endParaRPr lang="ko-KR" altLang="en-US"/>
           </a:p>
@@ -812,6 +813,90 @@
 </p:notes>
 </file>
 
+<file path=ppt/notesSlides/notesSlide5.xml><?xml version="1.0" encoding="utf-8"?>
+<p:notes xmlns:a="http://schemas.openxmlformats.org/drawingml/2006/main" xmlns:r="http://schemas.openxmlformats.org/officeDocument/2006/relationships" xmlns:p="http://schemas.openxmlformats.org/presentationml/2006/main">
+  <p:cSld>
+    <p:spTree>
+      <p:nvGrpSpPr>
+        <p:cNvPr id="1" name=""/>
+        <p:cNvGrpSpPr/>
+        <p:nvPr/>
+      </p:nvGrpSpPr>
+      <p:grpSpPr>
+        <a:xfrm>
+          <a:off x="0" y="0"/>
+          <a:ext cx="0" cy="0"/>
+          <a:chOff x="0" y="0"/>
+          <a:chExt cx="0" cy="0"/>
+        </a:xfrm>
+      </p:grpSpPr>
+      <p:sp>
+        <p:nvSpPr>
+          <p:cNvPr id="2" name="슬라이드 이미지 개체 틀 1"/>
+          <p:cNvSpPr>
+            <a:spLocks noGrp="1" noRot="1" noChangeAspect="1"/>
+          </p:cNvSpPr>
+          <p:nvPr>
+            <p:ph type="sldImg"/>
+          </p:nvPr>
+        </p:nvSpPr>
+        <p:spPr/>
+      </p:sp>
+      <p:sp>
+        <p:nvSpPr>
+          <p:cNvPr id="3" name="슬라이드 노트 개체 틀 2"/>
+          <p:cNvSpPr>
+            <a:spLocks noGrp="1"/>
+          </p:cNvSpPr>
+          <p:nvPr>
+            <p:ph type="body" idx="1"/>
+          </p:nvPr>
+        </p:nvSpPr>
+        <p:spPr/>
+        <p:txBody>
+          <a:bodyPr/>
+          <a:lstStyle/>
+          <a:p>
+            <a:endParaRPr lang="ko-KR" altLang="en-US" dirty="0"/>
+          </a:p>
+        </p:txBody>
+      </p:sp>
+      <p:sp>
+        <p:nvSpPr>
+          <p:cNvPr id="4" name="슬라이드 번호 개체 틀 3"/>
+          <p:cNvSpPr>
+            <a:spLocks noGrp="1"/>
+          </p:cNvSpPr>
+          <p:nvPr>
+            <p:ph type="sldNum" sz="quarter" idx="5"/>
+          </p:nvPr>
+        </p:nvSpPr>
+        <p:spPr/>
+        <p:txBody>
+          <a:bodyPr/>
+          <a:lstStyle/>
+          <a:p>
+            <a:fld id="{405A80EF-BB58-41CB-BC0F-EBF5A2676604}" type="slidenum">
+              <a:rPr lang="ko-KR" altLang="en-US" smtClean="0"/>
+              <a:t>12</a:t>
+            </a:fld>
+            <a:endParaRPr lang="ko-KR" altLang="en-US"/>
+          </a:p>
+        </p:txBody>
+      </p:sp>
+    </p:spTree>
+    <p:extLst>
+      <p:ext uri="{BB962C8B-B14F-4D97-AF65-F5344CB8AC3E}">
+        <p14:creationId xmlns:p14="http://schemas.microsoft.com/office/powerpoint/2010/main" val="3316537206"/>
+      </p:ext>
+    </p:extLst>
+  </p:cSld>
+  <p:clrMapOvr>
+    <a:masterClrMapping/>
+  </p:clrMapOvr>
+</p:notes>
+</file>
+
 <file path=ppt/slideLayouts/slideLayout1.xml><?xml version="1.0" encoding="utf-8"?>
 <p:sldLayout xmlns:a="http://schemas.openxmlformats.org/drawingml/2006/main" xmlns:r="http://schemas.openxmlformats.org/officeDocument/2006/relationships" xmlns:p="http://schemas.openxmlformats.org/presentationml/2006/main" type="title" preserve="1">
   <p:cSld name="제목 슬라이드">
@@ -957,9 +1042,9 @@
           <a:bodyPr/>
           <a:lstStyle/>
           <a:p>
-            <a:fld id="{38654FB5-D172-4314-A03F-EC9F7F34BE14}" type="datetime1">
+            <a:fld id="{B31B4CB9-8624-4A43-B9D3-C194A257225F}" type="datetime1">
               <a:rPr lang="ko-KR" altLang="en-US" smtClean="0"/>
-              <a:t>2019-12-06</a:t>
+              <a:t>2019-12-07</a:t>
             </a:fld>
             <a:endParaRPr lang="ko-KR" altLang="en-US"/>
           </a:p>
@@ -1126,9 +1211,9 @@
           <a:bodyPr/>
           <a:lstStyle/>
           <a:p>
-            <a:fld id="{2715D509-BF78-4DA5-B1A1-9DC055F9DF09}" type="datetime1">
+            <a:fld id="{FB00FDBE-F99D-46CF-99C9-539110D11259}" type="datetime1">
               <a:rPr lang="ko-KR" altLang="en-US" smtClean="0"/>
-              <a:t>2019-12-06</a:t>
+              <a:t>2019-12-07</a:t>
             </a:fld>
             <a:endParaRPr lang="ko-KR" altLang="en-US"/>
           </a:p>
@@ -1175,7 +1260,15 @@
             <p:ph type="sldNum" sz="quarter" idx="12"/>
           </p:nvPr>
         </p:nvSpPr>
-        <p:spPr/>
+        <p:spPr>
+          <a:xfrm>
+            <a:off x="8610600" y="6356350"/>
+            <a:ext cx="2743200" cy="365125"/>
+          </a:xfrm>
+          <a:prstGeom prst="rect">
+            <a:avLst/>
+          </a:prstGeom>
+        </p:spPr>
         <p:txBody>
           <a:bodyPr/>
           <a:lstStyle/>
@@ -1334,9 +1427,9 @@
           <a:bodyPr/>
           <a:lstStyle/>
           <a:p>
-            <a:fld id="{C0B32C5C-862E-4362-B225-2EF58DB8F0C3}" type="datetime1">
+            <a:fld id="{A9ECEB7D-91D8-4765-BEA8-09FEBD8C5C7B}" type="datetime1">
               <a:rPr lang="ko-KR" altLang="en-US" smtClean="0"/>
-              <a:t>2019-12-06</a:t>
+              <a:t>2019-12-07</a:t>
             </a:fld>
             <a:endParaRPr lang="ko-KR" altLang="en-US"/>
           </a:p>
@@ -1383,7 +1476,15 @@
             <p:ph type="sldNum" sz="quarter" idx="12"/>
           </p:nvPr>
         </p:nvSpPr>
-        <p:spPr/>
+        <p:spPr>
+          <a:xfrm>
+            <a:off x="8610600" y="6356350"/>
+            <a:ext cx="2743200" cy="365125"/>
+          </a:xfrm>
+          <a:prstGeom prst="rect">
+            <a:avLst/>
+          </a:prstGeom>
+        </p:spPr>
         <p:txBody>
           <a:bodyPr/>
           <a:lstStyle/>
@@ -1543,9 +1644,9 @@
           <a:bodyPr/>
           <a:lstStyle/>
           <a:p>
-            <a:fld id="{78D6552D-8C76-4095-9E02-9CB5C88B7F0B}" type="datetime1">
+            <a:fld id="{E90B8EF0-5178-4D4C-8C25-D4142CCE0CD1}" type="datetime1">
               <a:rPr lang="ko-KR" altLang="en-US" smtClean="0"/>
-              <a:t>2019-12-06</a:t>
+              <a:t>2019-12-07</a:t>
             </a:fld>
             <a:endParaRPr lang="ko-KR" altLang="en-US"/>
           </a:p>
@@ -1553,53 +1654,23 @@
       </p:sp>
       <p:sp>
         <p:nvSpPr>
-          <p:cNvPr id="5" name="바닥글 개체 틀 4">
-            <a:extLst>
-              <a:ext uri="{FF2B5EF4-FFF2-40B4-BE49-F238E27FC236}">
-                <a16:creationId xmlns:a16="http://schemas.microsoft.com/office/drawing/2014/main" id="{EA92EA6D-4808-4EE5-8EF8-50ABB0ECAD39}"/>
-              </a:ext>
-            </a:extLst>
-          </p:cNvPr>
-          <p:cNvSpPr>
-            <a:spLocks noGrp="1"/>
-          </p:cNvSpPr>
-          <p:nvPr>
-            <p:ph type="ftr" sz="quarter" idx="11"/>
+          <p:cNvPr id="6" name="슬라이드 번호 개체 틀 5">
+            <a:extLst>
+              <a:ext uri="{FF2B5EF4-FFF2-40B4-BE49-F238E27FC236}">
+                <a16:creationId xmlns:a16="http://schemas.microsoft.com/office/drawing/2014/main" id="{892532B1-DAC0-4B78-8A79-CAA44D6204FD}"/>
+              </a:ext>
+            </a:extLst>
+          </p:cNvPr>
+          <p:cNvSpPr>
+            <a:spLocks noGrp="1"/>
+          </p:cNvSpPr>
+          <p:nvPr>
+            <p:ph type="sldNum" sz="quarter" idx="12"/>
           </p:nvPr>
         </p:nvSpPr>
         <p:spPr>
           <a:xfrm>
-            <a:off x="7838242" y="6356350"/>
-            <a:ext cx="4114800" cy="365125"/>
-          </a:xfrm>
-        </p:spPr>
-        <p:txBody>
-          <a:bodyPr/>
-          <a:lstStyle/>
-          <a:p>
-            <a:endParaRPr lang="ko-KR" altLang="en-US"/>
-          </a:p>
-        </p:txBody>
-      </p:sp>
-      <p:sp>
-        <p:nvSpPr>
-          <p:cNvPr id="6" name="슬라이드 번호 개체 틀 5">
-            <a:extLst>
-              <a:ext uri="{FF2B5EF4-FFF2-40B4-BE49-F238E27FC236}">
-                <a16:creationId xmlns:a16="http://schemas.microsoft.com/office/drawing/2014/main" id="{892532B1-DAC0-4B78-8A79-CAA44D6204FD}"/>
-              </a:ext>
-            </a:extLst>
-          </p:cNvPr>
-          <p:cNvSpPr>
-            <a:spLocks noGrp="1"/>
-          </p:cNvSpPr>
-          <p:nvPr>
-            <p:ph type="sldNum" sz="quarter" idx="12"/>
-          </p:nvPr>
-        </p:nvSpPr>
-        <p:spPr>
-          <a:xfrm>
-            <a:off x="4724398" y="6483935"/>
+            <a:off x="9195731" y="6356350"/>
             <a:ext cx="2743200" cy="365125"/>
           </a:xfrm>
         </p:spPr>
@@ -1611,14 +1682,15 @@
             </a:lvl1pPr>
           </a:lstStyle>
           <a:p>
+            <a:pPr algn="r"/>
             <a:fld id="{4EA935F0-8334-4551-BE06-663268227FA8}" type="slidenum">
               <a:rPr lang="ko-KR" altLang="en-US" smtClean="0"/>
-              <a:pPr/>
+              <a:pPr algn="r"/>
               <a:t>‹#›</a:t>
             </a:fld>
             <a:r>
               <a:rPr lang="en-US" altLang="ko-KR" dirty="0"/>
-              <a:t>/13</a:t>
+              <a:t>/14</a:t>
             </a:r>
             <a:endParaRPr lang="ko-KR" altLang="en-US" dirty="0"/>
           </a:p>
@@ -1847,7 +1919,7 @@
           <a:p>
             <a:pPr lvl="0"/>
             <a:r>
-              <a:rPr lang="ko-KR" altLang="en-US"/>
+              <a:rPr lang="ko-KR" altLang="en-US" dirty="0"/>
               <a:t>마스터 텍스트 스타일을 편집하려면 클릭</a:t>
             </a:r>
           </a:p>
@@ -1874,9 +1946,9 @@
           <a:bodyPr/>
           <a:lstStyle/>
           <a:p>
-            <a:fld id="{997266C0-E649-4940-ACC1-B51685F2811D}" type="datetime1">
+            <a:fld id="{705C951F-3236-4F4C-B9F2-0B39C9044ECF}" type="datetime1">
               <a:rPr lang="ko-KR" altLang="en-US" smtClean="0"/>
-              <a:t>2019-12-06</a:t>
+              <a:t>2019-12-07</a:t>
             </a:fld>
             <a:endParaRPr lang="ko-KR" altLang="en-US"/>
           </a:p>
@@ -1923,7 +1995,15 @@
             <p:ph type="sldNum" sz="quarter" idx="12"/>
           </p:nvPr>
         </p:nvSpPr>
-        <p:spPr/>
+        <p:spPr>
+          <a:xfrm>
+            <a:off x="8610600" y="6356350"/>
+            <a:ext cx="2743200" cy="365125"/>
+          </a:xfrm>
+          <a:prstGeom prst="rect">
+            <a:avLst/>
+          </a:prstGeom>
+        </p:spPr>
         <p:txBody>
           <a:bodyPr/>
           <a:lstStyle/>
@@ -1932,7 +2012,7 @@
               <a:rPr lang="ko-KR" altLang="en-US" smtClean="0"/>
               <a:t>‹#›</a:t>
             </a:fld>
-            <a:endParaRPr lang="ko-KR" altLang="en-US"/>
+            <a:endParaRPr lang="ko-KR" altLang="en-US" dirty="0"/>
           </a:p>
         </p:txBody>
       </p:sp>
@@ -2139,9 +2219,9 @@
           <a:bodyPr/>
           <a:lstStyle/>
           <a:p>
-            <a:fld id="{C2FB62CF-8152-4507-8EBD-63E9DEE9597D}" type="datetime1">
+            <a:fld id="{75F3D5B2-637A-46AB-9D4D-C1E59844FDF4}" type="datetime1">
               <a:rPr lang="ko-KR" altLang="en-US" smtClean="0"/>
-              <a:t>2019-12-06</a:t>
+              <a:t>2019-12-07</a:t>
             </a:fld>
             <a:endParaRPr lang="ko-KR" altLang="en-US"/>
           </a:p>
@@ -2188,7 +2268,15 @@
             <p:ph type="sldNum" sz="quarter" idx="12"/>
           </p:nvPr>
         </p:nvSpPr>
-        <p:spPr/>
+        <p:spPr>
+          <a:xfrm>
+            <a:off x="8610600" y="6356350"/>
+            <a:ext cx="2743200" cy="365125"/>
+          </a:xfrm>
+          <a:prstGeom prst="rect">
+            <a:avLst/>
+          </a:prstGeom>
+        </p:spPr>
         <p:txBody>
           <a:bodyPr/>
           <a:lstStyle/>
@@ -2551,9 +2639,9 @@
           <a:bodyPr/>
           <a:lstStyle/>
           <a:p>
-            <a:fld id="{BDBAAFD5-6ED6-4F89-A6B0-3D04F01D54B3}" type="datetime1">
+            <a:fld id="{7347AE76-3356-44F1-B259-6B3D2717441D}" type="datetime1">
               <a:rPr lang="ko-KR" altLang="en-US" smtClean="0"/>
-              <a:t>2019-12-06</a:t>
+              <a:t>2019-12-07</a:t>
             </a:fld>
             <a:endParaRPr lang="ko-KR" altLang="en-US"/>
           </a:p>
@@ -2600,7 +2688,15 @@
             <p:ph type="sldNum" sz="quarter" idx="12"/>
           </p:nvPr>
         </p:nvSpPr>
-        <p:spPr/>
+        <p:spPr>
+          <a:xfrm>
+            <a:off x="8610600" y="6356350"/>
+            <a:ext cx="2743200" cy="365125"/>
+          </a:xfrm>
+          <a:prstGeom prst="rect">
+            <a:avLst/>
+          </a:prstGeom>
+        </p:spPr>
         <p:txBody>
           <a:bodyPr/>
           <a:lstStyle/>
@@ -2692,9 +2788,9 @@
           <a:bodyPr/>
           <a:lstStyle/>
           <a:p>
-            <a:fld id="{69850132-9DEE-4514-A8DD-FE581033ADB9}" type="datetime1">
+            <a:fld id="{D702DE79-4E82-404E-AFF1-0B0A945321C5}" type="datetime1">
               <a:rPr lang="ko-KR" altLang="en-US" smtClean="0"/>
-              <a:t>2019-12-06</a:t>
+              <a:t>2019-12-07</a:t>
             </a:fld>
             <a:endParaRPr lang="ko-KR" altLang="en-US"/>
           </a:p>
@@ -2741,7 +2837,15 @@
             <p:ph type="sldNum" sz="quarter" idx="12"/>
           </p:nvPr>
         </p:nvSpPr>
-        <p:spPr/>
+        <p:spPr>
+          <a:xfrm>
+            <a:off x="8610600" y="6356350"/>
+            <a:ext cx="2743200" cy="365125"/>
+          </a:xfrm>
+          <a:prstGeom prst="rect">
+            <a:avLst/>
+          </a:prstGeom>
+        </p:spPr>
         <p:txBody>
           <a:bodyPr/>
           <a:lstStyle/>
@@ -2805,9 +2909,9 @@
           <a:bodyPr/>
           <a:lstStyle/>
           <a:p>
-            <a:fld id="{898F6C14-32C9-4B5D-BF54-23CD21056C89}" type="datetime1">
+            <a:fld id="{0A9B4BA1-FB25-4705-83ED-C4443AF847DA}" type="datetime1">
               <a:rPr lang="ko-KR" altLang="en-US" smtClean="0"/>
-              <a:t>2019-12-06</a:t>
+              <a:t>2019-12-07</a:t>
             </a:fld>
             <a:endParaRPr lang="ko-KR" altLang="en-US"/>
           </a:p>
@@ -2854,7 +2958,15 @@
             <p:ph type="sldNum" sz="quarter" idx="12"/>
           </p:nvPr>
         </p:nvSpPr>
-        <p:spPr/>
+        <p:spPr>
+          <a:xfrm>
+            <a:off x="8610600" y="6356350"/>
+            <a:ext cx="2743200" cy="365125"/>
+          </a:xfrm>
+          <a:prstGeom prst="rect">
+            <a:avLst/>
+          </a:prstGeom>
+        </p:spPr>
         <p:txBody>
           <a:bodyPr/>
           <a:lstStyle/>
@@ -3116,9 +3228,9 @@
           <a:bodyPr/>
           <a:lstStyle/>
           <a:p>
-            <a:fld id="{3E401CD6-8EEC-425A-A2CC-3273D016A355}" type="datetime1">
+            <a:fld id="{03F92274-1BDA-4903-81B8-01C875E83629}" type="datetime1">
               <a:rPr lang="ko-KR" altLang="en-US" smtClean="0"/>
-              <a:t>2019-12-06</a:t>
+              <a:t>2019-12-07</a:t>
             </a:fld>
             <a:endParaRPr lang="ko-KR" altLang="en-US"/>
           </a:p>
@@ -3165,7 +3277,15 @@
             <p:ph type="sldNum" sz="quarter" idx="12"/>
           </p:nvPr>
         </p:nvSpPr>
-        <p:spPr/>
+        <p:spPr>
+          <a:xfrm>
+            <a:off x="8610600" y="6356350"/>
+            <a:ext cx="2743200" cy="365125"/>
+          </a:xfrm>
+          <a:prstGeom prst="rect">
+            <a:avLst/>
+          </a:prstGeom>
+        </p:spPr>
         <p:txBody>
           <a:bodyPr/>
           <a:lstStyle/>
@@ -3404,9 +3524,9 @@
           <a:bodyPr/>
           <a:lstStyle/>
           <a:p>
-            <a:fld id="{44DFCF7F-2430-4AA1-A2F9-1607D3C5B66B}" type="datetime1">
+            <a:fld id="{0C57DD76-92DD-4AB3-970E-5B836BE6FD42}" type="datetime1">
               <a:rPr lang="ko-KR" altLang="en-US" smtClean="0"/>
-              <a:t>2019-12-06</a:t>
+              <a:t>2019-12-07</a:t>
             </a:fld>
             <a:endParaRPr lang="ko-KR" altLang="en-US"/>
           </a:p>
@@ -3453,7 +3573,15 @@
             <p:ph type="sldNum" sz="quarter" idx="12"/>
           </p:nvPr>
         </p:nvSpPr>
-        <p:spPr/>
+        <p:spPr>
+          <a:xfrm>
+            <a:off x="8610600" y="6356350"/>
+            <a:ext cx="2743200" cy="365125"/>
+          </a:xfrm>
+          <a:prstGeom prst="rect">
+            <a:avLst/>
+          </a:prstGeom>
+        </p:spPr>
         <p:txBody>
           <a:bodyPr/>
           <a:lstStyle/>
@@ -3645,9 +3773,9 @@
             </a:lvl1pPr>
           </a:lstStyle>
           <a:p>
-            <a:fld id="{1DDBC220-A6FB-4F17-967E-228A2ABAB829}" type="datetime1">
+            <a:fld id="{9FDAB679-50A1-4A3D-9E10-2FCF5F56501C}" type="datetime1">
               <a:rPr lang="ko-KR" altLang="en-US" smtClean="0"/>
-              <a:t>2019-12-06</a:t>
+              <a:t>2019-12-07</a:t>
             </a:fld>
             <a:endParaRPr lang="ko-KR" altLang="en-US"/>
           </a:p>
@@ -3764,7 +3892,7 @@
     <p:sldLayoutId id="2147483658" r:id="rId10"/>
     <p:sldLayoutId id="2147483659" r:id="rId11"/>
   </p:sldLayoutIdLst>
-  <p:hf sldNum="0" hdr="0" ftr="0" dt="0"/>
+  <p:hf hdr="0" ftr="0" dt="0"/>
   <p:txStyles>
     <p:titleStyle>
       <a:lvl1pPr algn="l" defTabSz="914400" rtl="0" eaLnBrk="1" latinLnBrk="1" hangingPunct="1">
@@ -4862,6 +4990,41 @@
           </a:p>
         </p:txBody>
       </p:sp>
+      <p:sp>
+        <p:nvSpPr>
+          <p:cNvPr id="4" name="슬라이드 번호 개체 틀 3">
+            <a:extLst>
+              <a:ext uri="{FF2B5EF4-FFF2-40B4-BE49-F238E27FC236}">
+                <a16:creationId xmlns:a16="http://schemas.microsoft.com/office/drawing/2014/main" id="{875049EC-BD6B-494C-B6DA-A08F1FE5F499}"/>
+              </a:ext>
+            </a:extLst>
+          </p:cNvPr>
+          <p:cNvSpPr>
+            <a:spLocks noGrp="1"/>
+          </p:cNvSpPr>
+          <p:nvPr>
+            <p:ph type="sldNum" sz="quarter" idx="12"/>
+          </p:nvPr>
+        </p:nvSpPr>
+        <p:spPr/>
+        <p:txBody>
+          <a:bodyPr/>
+          <a:lstStyle/>
+          <a:p>
+            <a:pPr algn="r"/>
+            <a:fld id="{4EA935F0-8334-4551-BE06-663268227FA8}" type="slidenum">
+              <a:rPr lang="ko-KR" altLang="en-US" smtClean="0"/>
+              <a:pPr algn="r"/>
+              <a:t>10</a:t>
+            </a:fld>
+            <a:r>
+              <a:rPr lang="en-US" altLang="ko-KR"/>
+              <a:t>/14</a:t>
+            </a:r>
+            <a:endParaRPr lang="ko-KR" altLang="en-US" dirty="0"/>
+          </a:p>
+        </p:txBody>
+      </p:sp>
     </p:spTree>
     <p:extLst>
       <p:ext uri="{BB962C8B-B14F-4D97-AF65-F5344CB8AC3E}">
@@ -5231,6 +5394,41 @@
           </a:p>
         </p:txBody>
       </p:sp>
+      <p:sp>
+        <p:nvSpPr>
+          <p:cNvPr id="4" name="슬라이드 번호 개체 틀 3">
+            <a:extLst>
+              <a:ext uri="{FF2B5EF4-FFF2-40B4-BE49-F238E27FC236}">
+                <a16:creationId xmlns:a16="http://schemas.microsoft.com/office/drawing/2014/main" id="{8DD0A913-F8CB-44B0-BB76-18CFDB82BDDD}"/>
+              </a:ext>
+            </a:extLst>
+          </p:cNvPr>
+          <p:cNvSpPr>
+            <a:spLocks noGrp="1"/>
+          </p:cNvSpPr>
+          <p:nvPr>
+            <p:ph type="sldNum" sz="quarter" idx="12"/>
+          </p:nvPr>
+        </p:nvSpPr>
+        <p:spPr/>
+        <p:txBody>
+          <a:bodyPr/>
+          <a:lstStyle/>
+          <a:p>
+            <a:pPr algn="r"/>
+            <a:fld id="{4EA935F0-8334-4551-BE06-663268227FA8}" type="slidenum">
+              <a:rPr lang="ko-KR" altLang="en-US" smtClean="0"/>
+              <a:pPr algn="r"/>
+              <a:t>11</a:t>
+            </a:fld>
+            <a:r>
+              <a:rPr lang="en-US" altLang="ko-KR"/>
+              <a:t>/14</a:t>
+            </a:r>
+            <a:endParaRPr lang="ko-KR" altLang="en-US" dirty="0"/>
+          </a:p>
+        </p:txBody>
+      </p:sp>
     </p:spTree>
     <p:extLst>
       <p:ext uri="{BB962C8B-B14F-4D97-AF65-F5344CB8AC3E}">
@@ -5257,6 +5455,179 @@
 </file>
 
 <file path=ppt/slides/slide12.xml><?xml version="1.0" encoding="utf-8"?>
+<p:sld xmlns:a="http://schemas.openxmlformats.org/drawingml/2006/main" xmlns:r="http://schemas.openxmlformats.org/officeDocument/2006/relationships" xmlns:p="http://schemas.openxmlformats.org/presentationml/2006/main">
+  <p:cSld>
+    <p:spTree>
+      <p:nvGrpSpPr>
+        <p:cNvPr id="1" name=""/>
+        <p:cNvGrpSpPr/>
+        <p:nvPr/>
+      </p:nvGrpSpPr>
+      <p:grpSpPr>
+        <a:xfrm>
+          <a:off x="0" y="0"/>
+          <a:ext cx="0" cy="0"/>
+          <a:chOff x="0" y="0"/>
+          <a:chExt cx="0" cy="0"/>
+        </a:xfrm>
+      </p:grpSpPr>
+      <p:sp>
+        <p:nvSpPr>
+          <p:cNvPr id="2" name="제목 1">
+            <a:extLst>
+              <a:ext uri="{FF2B5EF4-FFF2-40B4-BE49-F238E27FC236}">
+                <a16:creationId xmlns:a16="http://schemas.microsoft.com/office/drawing/2014/main" id="{8E6EEF01-A85D-42E0-9658-59DA9E422E14}"/>
+              </a:ext>
+            </a:extLst>
+          </p:cNvPr>
+          <p:cNvSpPr>
+            <a:spLocks noGrp="1"/>
+          </p:cNvSpPr>
+          <p:nvPr>
+            <p:ph type="title"/>
+          </p:nvPr>
+        </p:nvSpPr>
+        <p:spPr>
+          <a:xfrm>
+            <a:off x="-1" y="1"/>
+            <a:ext cx="12191999" cy="1122362"/>
+          </a:xfrm>
+        </p:spPr>
+        <p:txBody>
+          <a:bodyPr/>
+          <a:lstStyle/>
+          <a:p>
+            <a:r>
+              <a:rPr lang="ko-KR" altLang="en-US" dirty="0"/>
+              <a:t> 프로그램 구현 설명</a:t>
+            </a:r>
+          </a:p>
+        </p:txBody>
+      </p:sp>
+      <p:pic>
+        <p:nvPicPr>
+          <p:cNvPr id="6" name="그림 5">
+            <a:extLst>
+              <a:ext uri="{FF2B5EF4-FFF2-40B4-BE49-F238E27FC236}">
+                <a16:creationId xmlns:a16="http://schemas.microsoft.com/office/drawing/2014/main" id="{8AD4392D-57B6-440B-9036-326CE21B3E65}"/>
+              </a:ext>
+            </a:extLst>
+          </p:cNvPr>
+          <p:cNvPicPr>
+            <a:picLocks noChangeAspect="1"/>
+          </p:cNvPicPr>
+          <p:nvPr/>
+        </p:nvPicPr>
+        <p:blipFill>
+          <a:blip r:embed="rId3"/>
+          <a:stretch>
+            <a:fillRect/>
+          </a:stretch>
+        </p:blipFill>
+        <p:spPr>
+          <a:xfrm>
+            <a:off x="1216818" y="1871303"/>
+            <a:ext cx="9565234" cy="4208703"/>
+          </a:xfrm>
+          <a:prstGeom prst="rect">
+            <a:avLst/>
+          </a:prstGeom>
+        </p:spPr>
+      </p:pic>
+      <p:sp>
+        <p:nvSpPr>
+          <p:cNvPr id="13" name="내용 개체 틀 2">
+            <a:extLst>
+              <a:ext uri="{FF2B5EF4-FFF2-40B4-BE49-F238E27FC236}">
+                <a16:creationId xmlns:a16="http://schemas.microsoft.com/office/drawing/2014/main" id="{A1A34759-58D0-4246-97C4-701883A13BBA}"/>
+              </a:ext>
+            </a:extLst>
+          </p:cNvPr>
+          <p:cNvSpPr>
+            <a:spLocks noGrp="1"/>
+          </p:cNvSpPr>
+          <p:nvPr>
+            <p:ph idx="1"/>
+          </p:nvPr>
+        </p:nvSpPr>
+        <p:spPr>
+          <a:xfrm>
+            <a:off x="300318" y="1357006"/>
+            <a:ext cx="10515600" cy="4351338"/>
+          </a:xfrm>
+        </p:spPr>
+        <p:txBody>
+          <a:bodyPr/>
+          <a:lstStyle/>
+          <a:p>
+            <a:r>
+              <a:rPr lang="ko-KR" altLang="en-US" dirty="0"/>
+              <a:t>사용한 기술</a:t>
+            </a:r>
+          </a:p>
+        </p:txBody>
+      </p:sp>
+      <p:sp>
+        <p:nvSpPr>
+          <p:cNvPr id="8" name="슬라이드 번호 개체 틀 7">
+            <a:extLst>
+              <a:ext uri="{FF2B5EF4-FFF2-40B4-BE49-F238E27FC236}">
+                <a16:creationId xmlns:a16="http://schemas.microsoft.com/office/drawing/2014/main" id="{69F84447-D339-49A7-9DA4-E7491869AC65}"/>
+              </a:ext>
+            </a:extLst>
+          </p:cNvPr>
+          <p:cNvSpPr>
+            <a:spLocks noGrp="1"/>
+          </p:cNvSpPr>
+          <p:nvPr>
+            <p:ph type="sldNum" sz="quarter" idx="12"/>
+          </p:nvPr>
+        </p:nvSpPr>
+        <p:spPr/>
+        <p:txBody>
+          <a:bodyPr/>
+          <a:lstStyle/>
+          <a:p>
+            <a:pPr algn="r"/>
+            <a:fld id="{4EA935F0-8334-4551-BE06-663268227FA8}" type="slidenum">
+              <a:rPr lang="ko-KR" altLang="en-US" smtClean="0"/>
+              <a:pPr algn="r"/>
+              <a:t>12</a:t>
+            </a:fld>
+            <a:r>
+              <a:rPr lang="en-US" altLang="ko-KR"/>
+              <a:t>/14</a:t>
+            </a:r>
+            <a:endParaRPr lang="ko-KR" altLang="en-US" dirty="0"/>
+          </a:p>
+        </p:txBody>
+      </p:sp>
+    </p:spTree>
+    <p:extLst>
+      <p:ext uri="{BB962C8B-B14F-4D97-AF65-F5344CB8AC3E}">
+        <p14:creationId xmlns:p14="http://schemas.microsoft.com/office/powerpoint/2010/main" val="2054747431"/>
+      </p:ext>
+    </p:extLst>
+  </p:cSld>
+  <p:clrMapOvr>
+    <a:masterClrMapping/>
+  </p:clrMapOvr>
+  <mc:AlternateContent xmlns:mc="http://schemas.openxmlformats.org/markup-compatibility/2006" xmlns:p159="http://schemas.microsoft.com/office/powerpoint/2015/09/main">
+    <mc:Choice Requires="p159">
+      <p:transition xmlns:p14="http://schemas.microsoft.com/office/powerpoint/2010/main" spd="slow" p14:dur="2000">
+        <p159:morph option="byObject"/>
+      </p:transition>
+    </mc:Choice>
+    <mc:Fallback xmlns="">
+      <p:transition spd="slow">
+        <p:fade/>
+      </p:transition>
+    </mc:Fallback>
+  </mc:AlternateContent>
+</p:sld>
+</file>
+
+<file path=ppt/slides/slide13.xml><?xml version="1.0" encoding="utf-8"?>
 <p:sld xmlns:a="http://schemas.openxmlformats.org/drawingml/2006/main" xmlns:r="http://schemas.openxmlformats.org/officeDocument/2006/relationships" xmlns:p="http://schemas.openxmlformats.org/presentationml/2006/main">
   <p:cSld>
     <p:spTree>
@@ -5501,7 +5872,7 @@
 </p:sld>
 </file>
 
-<file path=ppt/slides/slide13.xml><?xml version="1.0" encoding="utf-8"?>
+<file path=ppt/slides/slide14.xml><?xml version="1.0" encoding="utf-8"?>
 <p:sld xmlns:a="http://schemas.openxmlformats.org/drawingml/2006/main" xmlns:r="http://schemas.openxmlformats.org/officeDocument/2006/relationships" xmlns:p="http://schemas.openxmlformats.org/presentationml/2006/main">
   <p:cSld>
     <p:spTree>
@@ -5859,6 +6230,41 @@
           </a:p>
         </p:txBody>
       </p:sp>
+      <p:sp>
+        <p:nvSpPr>
+          <p:cNvPr id="4" name="슬라이드 번호 개체 틀 3">
+            <a:extLst>
+              <a:ext uri="{FF2B5EF4-FFF2-40B4-BE49-F238E27FC236}">
+                <a16:creationId xmlns:a16="http://schemas.microsoft.com/office/drawing/2014/main" id="{1F4BBA44-0ACB-40B7-93F8-0B262C80DDD3}"/>
+              </a:ext>
+            </a:extLst>
+          </p:cNvPr>
+          <p:cNvSpPr>
+            <a:spLocks noGrp="1"/>
+          </p:cNvSpPr>
+          <p:nvPr>
+            <p:ph type="sldNum" sz="quarter" idx="12"/>
+          </p:nvPr>
+        </p:nvSpPr>
+        <p:spPr/>
+        <p:txBody>
+          <a:bodyPr/>
+          <a:lstStyle/>
+          <a:p>
+            <a:pPr algn="r"/>
+            <a:fld id="{4EA935F0-8334-4551-BE06-663268227FA8}" type="slidenum">
+              <a:rPr lang="ko-KR" altLang="en-US" smtClean="0"/>
+              <a:pPr algn="r"/>
+              <a:t>2</a:t>
+            </a:fld>
+            <a:r>
+              <a:rPr lang="en-US" altLang="ko-KR"/>
+              <a:t>/14</a:t>
+            </a:r>
+            <a:endParaRPr lang="ko-KR" altLang="en-US" dirty="0"/>
+          </a:p>
+        </p:txBody>
+      </p:sp>
     </p:spTree>
     <p:extLst>
       <p:ext uri="{BB962C8B-B14F-4D97-AF65-F5344CB8AC3E}">
@@ -6044,6 +6450,41 @@
               <a:t>도 회전시키며 게임 진행</a:t>
             </a:r>
             <a:endParaRPr lang="en-US" altLang="ko-KR" b="1" dirty="0"/>
+          </a:p>
+        </p:txBody>
+      </p:sp>
+      <p:sp>
+        <p:nvSpPr>
+          <p:cNvPr id="5" name="슬라이드 번호 개체 틀 4">
+            <a:extLst>
+              <a:ext uri="{FF2B5EF4-FFF2-40B4-BE49-F238E27FC236}">
+                <a16:creationId xmlns:a16="http://schemas.microsoft.com/office/drawing/2014/main" id="{7A837E53-08BF-4039-97C7-70A20826F74E}"/>
+              </a:ext>
+            </a:extLst>
+          </p:cNvPr>
+          <p:cNvSpPr>
+            <a:spLocks noGrp="1"/>
+          </p:cNvSpPr>
+          <p:nvPr>
+            <p:ph type="sldNum" sz="quarter" idx="12"/>
+          </p:nvPr>
+        </p:nvSpPr>
+        <p:spPr/>
+        <p:txBody>
+          <a:bodyPr/>
+          <a:lstStyle/>
+          <a:p>
+            <a:pPr algn="r"/>
+            <a:fld id="{4EA935F0-8334-4551-BE06-663268227FA8}" type="slidenum">
+              <a:rPr lang="ko-KR" altLang="en-US" smtClean="0"/>
+              <a:pPr algn="r"/>
+              <a:t>3</a:t>
+            </a:fld>
+            <a:r>
+              <a:rPr lang="en-US" altLang="ko-KR"/>
+              <a:t>/14</a:t>
+            </a:r>
+            <a:endParaRPr lang="ko-KR" altLang="en-US" dirty="0"/>
           </a:p>
         </p:txBody>
       </p:sp>
@@ -6217,12 +6658,47 @@
           </a:extLst>
         </p:spPr>
       </p:pic>
+      <p:sp>
+        <p:nvSpPr>
+          <p:cNvPr id="6" name="슬라이드 번호 개체 틀 5">
+            <a:extLst>
+              <a:ext uri="{FF2B5EF4-FFF2-40B4-BE49-F238E27FC236}">
+                <a16:creationId xmlns:a16="http://schemas.microsoft.com/office/drawing/2014/main" id="{E5A15066-C587-4E9B-A160-ECBC3C07547A}"/>
+              </a:ext>
+            </a:extLst>
+          </p:cNvPr>
+          <p:cNvSpPr>
+            <a:spLocks noGrp="1"/>
+          </p:cNvSpPr>
+          <p:nvPr>
+            <p:ph type="sldNum" sz="quarter" idx="12"/>
+          </p:nvPr>
+        </p:nvSpPr>
+        <p:spPr/>
+        <p:txBody>
+          <a:bodyPr/>
+          <a:lstStyle/>
+          <a:p>
+            <a:pPr algn="r"/>
+            <a:fld id="{4EA935F0-8334-4551-BE06-663268227FA8}" type="slidenum">
+              <a:rPr lang="ko-KR" altLang="en-US" smtClean="0"/>
+              <a:pPr algn="r"/>
+              <a:t>4</a:t>
+            </a:fld>
+            <a:r>
+              <a:rPr lang="en-US" altLang="ko-KR"/>
+              <a:t>/14</a:t>
+            </a:r>
+            <a:endParaRPr lang="ko-KR" altLang="en-US" dirty="0"/>
+          </a:p>
+        </p:txBody>
+      </p:sp>
       <p:pic>
         <p:nvPicPr>
-          <p:cNvPr id="5" name="그림 4">
-            <a:extLst>
-              <a:ext uri="{FF2B5EF4-FFF2-40B4-BE49-F238E27FC236}">
-                <a16:creationId xmlns:a16="http://schemas.microsoft.com/office/drawing/2014/main" id="{7311A19B-4AE4-4FC9-B385-229D80B88275}"/>
+          <p:cNvPr id="7" name="그림 6">
+            <a:extLst>
+              <a:ext uri="{FF2B5EF4-FFF2-40B4-BE49-F238E27FC236}">
+                <a16:creationId xmlns:a16="http://schemas.microsoft.com/office/drawing/2014/main" id="{FA15EAD6-1147-4D57-8478-0AA5A44AA9DA}"/>
               </a:ext>
             </a:extLst>
           </p:cNvPr>
@@ -6239,8 +6715,8 @@
         </p:blipFill>
         <p:spPr>
           <a:xfrm>
-            <a:off x="1791329" y="4465425"/>
-            <a:ext cx="8609338" cy="1122362"/>
+            <a:off x="1755309" y="4469396"/>
+            <a:ext cx="8681378" cy="1134625"/>
           </a:xfrm>
           <a:prstGeom prst="rect">
             <a:avLst/>
@@ -6446,6 +6922,41 @@
           </a:p>
         </p:txBody>
       </p:sp>
+      <p:sp>
+        <p:nvSpPr>
+          <p:cNvPr id="5" name="슬라이드 번호 개체 틀 4">
+            <a:extLst>
+              <a:ext uri="{FF2B5EF4-FFF2-40B4-BE49-F238E27FC236}">
+                <a16:creationId xmlns:a16="http://schemas.microsoft.com/office/drawing/2014/main" id="{0A30C904-1803-42BB-9A33-4EF4F10D9ECD}"/>
+              </a:ext>
+            </a:extLst>
+          </p:cNvPr>
+          <p:cNvSpPr>
+            <a:spLocks noGrp="1"/>
+          </p:cNvSpPr>
+          <p:nvPr>
+            <p:ph type="sldNum" sz="quarter" idx="12"/>
+          </p:nvPr>
+        </p:nvSpPr>
+        <p:spPr/>
+        <p:txBody>
+          <a:bodyPr/>
+          <a:lstStyle/>
+          <a:p>
+            <a:pPr algn="r"/>
+            <a:fld id="{4EA935F0-8334-4551-BE06-663268227FA8}" type="slidenum">
+              <a:rPr lang="ko-KR" altLang="en-US" smtClean="0"/>
+              <a:pPr algn="r"/>
+              <a:t>5</a:t>
+            </a:fld>
+            <a:r>
+              <a:rPr lang="en-US" altLang="ko-KR"/>
+              <a:t>/14</a:t>
+            </a:r>
+            <a:endParaRPr lang="ko-KR" altLang="en-US" dirty="0"/>
+          </a:p>
+        </p:txBody>
+      </p:sp>
     </p:spTree>
     <p:extLst>
       <p:ext uri="{BB962C8B-B14F-4D97-AF65-F5344CB8AC3E}">
@@ -6575,6 +7086,41 @@
           </a:prstGeom>
         </p:spPr>
       </p:pic>
+      <p:sp>
+        <p:nvSpPr>
+          <p:cNvPr id="4" name="슬라이드 번호 개체 틀 3">
+            <a:extLst>
+              <a:ext uri="{FF2B5EF4-FFF2-40B4-BE49-F238E27FC236}">
+                <a16:creationId xmlns:a16="http://schemas.microsoft.com/office/drawing/2014/main" id="{D66E44C8-2191-4544-92A8-181B4B167D05}"/>
+              </a:ext>
+            </a:extLst>
+          </p:cNvPr>
+          <p:cNvSpPr>
+            <a:spLocks noGrp="1"/>
+          </p:cNvSpPr>
+          <p:nvPr>
+            <p:ph type="sldNum" sz="quarter" idx="12"/>
+          </p:nvPr>
+        </p:nvSpPr>
+        <p:spPr/>
+        <p:txBody>
+          <a:bodyPr/>
+          <a:lstStyle/>
+          <a:p>
+            <a:pPr algn="r"/>
+            <a:fld id="{4EA935F0-8334-4551-BE06-663268227FA8}" type="slidenum">
+              <a:rPr lang="ko-KR" altLang="en-US" smtClean="0"/>
+              <a:pPr algn="r"/>
+              <a:t>6</a:t>
+            </a:fld>
+            <a:r>
+              <a:rPr lang="en-US" altLang="ko-KR"/>
+              <a:t>/14</a:t>
+            </a:r>
+            <a:endParaRPr lang="ko-KR" altLang="en-US" dirty="0"/>
+          </a:p>
+        </p:txBody>
+      </p:sp>
     </p:spTree>
     <p:extLst>
       <p:ext uri="{BB962C8B-B14F-4D97-AF65-F5344CB8AC3E}">
@@ -6697,6 +7243,41 @@
             <a:r>
               <a:rPr lang="ko-KR" altLang="en-US" dirty="0" err="1"/>
               <a:t>간트차트</a:t>
+            </a:r>
+            <a:endParaRPr lang="ko-KR" altLang="en-US" dirty="0"/>
+          </a:p>
+        </p:txBody>
+      </p:sp>
+      <p:sp>
+        <p:nvSpPr>
+          <p:cNvPr id="5" name="슬라이드 번호 개체 틀 4">
+            <a:extLst>
+              <a:ext uri="{FF2B5EF4-FFF2-40B4-BE49-F238E27FC236}">
+                <a16:creationId xmlns:a16="http://schemas.microsoft.com/office/drawing/2014/main" id="{F2AA6888-5286-47F4-B54C-319A0A1ECD89}"/>
+              </a:ext>
+            </a:extLst>
+          </p:cNvPr>
+          <p:cNvSpPr>
+            <a:spLocks noGrp="1"/>
+          </p:cNvSpPr>
+          <p:nvPr>
+            <p:ph type="sldNum" sz="quarter" idx="12"/>
+          </p:nvPr>
+        </p:nvSpPr>
+        <p:spPr/>
+        <p:txBody>
+          <a:bodyPr/>
+          <a:lstStyle/>
+          <a:p>
+            <a:pPr algn="r"/>
+            <a:fld id="{4EA935F0-8334-4551-BE06-663268227FA8}" type="slidenum">
+              <a:rPr lang="ko-KR" altLang="en-US" smtClean="0"/>
+              <a:pPr algn="r"/>
+              <a:t>7</a:t>
+            </a:fld>
+            <a:r>
+              <a:rPr lang="en-US" altLang="ko-KR"/>
+              <a:t>/14</a:t>
             </a:r>
             <a:endParaRPr lang="ko-KR" altLang="en-US" dirty="0"/>
           </a:p>
@@ -7101,6 +7682,41 @@
           </p:txBody>
         </p:sp>
       </p:grpSp>
+      <p:sp>
+        <p:nvSpPr>
+          <p:cNvPr id="4" name="슬라이드 번호 개체 틀 3">
+            <a:extLst>
+              <a:ext uri="{FF2B5EF4-FFF2-40B4-BE49-F238E27FC236}">
+                <a16:creationId xmlns:a16="http://schemas.microsoft.com/office/drawing/2014/main" id="{F0F44931-C672-41AD-90E0-395484C77FAA}"/>
+              </a:ext>
+            </a:extLst>
+          </p:cNvPr>
+          <p:cNvSpPr>
+            <a:spLocks noGrp="1"/>
+          </p:cNvSpPr>
+          <p:nvPr>
+            <p:ph type="sldNum" sz="quarter" idx="12"/>
+          </p:nvPr>
+        </p:nvSpPr>
+        <p:spPr/>
+        <p:txBody>
+          <a:bodyPr/>
+          <a:lstStyle/>
+          <a:p>
+            <a:pPr algn="r"/>
+            <a:fld id="{4EA935F0-8334-4551-BE06-663268227FA8}" type="slidenum">
+              <a:rPr lang="ko-KR" altLang="en-US" smtClean="0"/>
+              <a:pPr algn="r"/>
+              <a:t>8</a:t>
+            </a:fld>
+            <a:r>
+              <a:rPr lang="en-US" altLang="ko-KR"/>
+              <a:t>/14</a:t>
+            </a:r>
+            <a:endParaRPr lang="ko-KR" altLang="en-US" dirty="0"/>
+          </a:p>
+        </p:txBody>
+      </p:sp>
     </p:spTree>
     <p:extLst>
       <p:ext uri="{BB962C8B-B14F-4D97-AF65-F5344CB8AC3E}">
@@ -7606,6 +8222,41 @@
               <a:buChar char="Ø"/>
             </a:pPr>
             <a:endParaRPr lang="en-US" altLang="ko-KR" dirty="0"/>
+          </a:p>
+        </p:txBody>
+      </p:sp>
+      <p:sp>
+        <p:nvSpPr>
+          <p:cNvPr id="4" name="슬라이드 번호 개체 틀 3">
+            <a:extLst>
+              <a:ext uri="{FF2B5EF4-FFF2-40B4-BE49-F238E27FC236}">
+                <a16:creationId xmlns:a16="http://schemas.microsoft.com/office/drawing/2014/main" id="{E6E93901-AA21-40DE-B5CA-58E06E703735}"/>
+              </a:ext>
+            </a:extLst>
+          </p:cNvPr>
+          <p:cNvSpPr>
+            <a:spLocks noGrp="1"/>
+          </p:cNvSpPr>
+          <p:nvPr>
+            <p:ph type="sldNum" sz="quarter" idx="12"/>
+          </p:nvPr>
+        </p:nvSpPr>
+        <p:spPr/>
+        <p:txBody>
+          <a:bodyPr/>
+          <a:lstStyle/>
+          <a:p>
+            <a:pPr algn="r"/>
+            <a:fld id="{4EA935F0-8334-4551-BE06-663268227FA8}" type="slidenum">
+              <a:rPr lang="ko-KR" altLang="en-US" smtClean="0"/>
+              <a:pPr algn="r"/>
+              <a:t>9</a:t>
+            </a:fld>
+            <a:r>
+              <a:rPr lang="en-US" altLang="ko-KR"/>
+              <a:t>/14</a:t>
+            </a:r>
+            <a:endParaRPr lang="ko-KR" altLang="en-US" dirty="0"/>
           </a:p>
         </p:txBody>
       </p:sp>

--- a/문서산출물/발표자료/[PG]프로젝트발표자료_준식쓰와형님들.pptx
+++ b/문서산출물/발표자료/[PG]프로젝트발표자료_준식쓰와형님들.pptx
@@ -24,7 +24,7 @@
     <p:sldId id="269" r:id="rId15"/>
   </p:sldIdLst>
   <p:sldSz cx="12192000" cy="6858000"/>
-  <p:notesSz cx="6858000" cy="9144000"/>
+  <p:notesSz cx="7104063" cy="10234613"/>
   <p:defaultTextStyle>
     <a:defPPr>
       <a:defRPr lang="ko-KR"/>
@@ -163,17 +163,17 @@
         <p:spPr>
           <a:xfrm>
             <a:off x="0" y="0"/>
-            <a:ext cx="2971800" cy="458788"/>
+            <a:ext cx="3078427" cy="513508"/>
           </a:xfrm>
           <a:prstGeom prst="rect">
             <a:avLst/>
           </a:prstGeom>
         </p:spPr>
         <p:txBody>
-          <a:bodyPr vert="horz" lIns="91440" tIns="45720" rIns="91440" bIns="45720" rtlCol="0"/>
+          <a:bodyPr vert="horz" lIns="99075" tIns="49538" rIns="99075" bIns="49538" rtlCol="0"/>
           <a:lstStyle>
             <a:lvl1pPr algn="l">
-              <a:defRPr sz="1200"/>
+              <a:defRPr sz="1300"/>
             </a:lvl1pPr>
           </a:lstStyle>
           <a:p>
@@ -193,24 +193,24 @@
         </p:nvSpPr>
         <p:spPr>
           <a:xfrm>
-            <a:off x="3884613" y="0"/>
-            <a:ext cx="2971800" cy="458788"/>
+            <a:off x="4023992" y="0"/>
+            <a:ext cx="3078427" cy="513508"/>
           </a:xfrm>
           <a:prstGeom prst="rect">
             <a:avLst/>
           </a:prstGeom>
         </p:spPr>
         <p:txBody>
-          <a:bodyPr vert="horz" lIns="91440" tIns="45720" rIns="91440" bIns="45720" rtlCol="0"/>
+          <a:bodyPr vert="horz" lIns="99075" tIns="49538" rIns="99075" bIns="49538" rtlCol="0"/>
           <a:lstStyle>
             <a:lvl1pPr algn="r">
-              <a:defRPr sz="1200"/>
+              <a:defRPr sz="1300"/>
             </a:lvl1pPr>
           </a:lstStyle>
           <a:p>
             <a:fld id="{E73727FA-96F2-4585-AC38-8365A279DEE8}" type="datetimeFigureOut">
               <a:rPr lang="ko-KR" altLang="en-US" smtClean="0"/>
-              <a:t>2019-12-07</a:t>
+              <a:t>2019-12-09</a:t>
             </a:fld>
             <a:endParaRPr lang="ko-KR" altLang="en-US"/>
           </a:p>
@@ -228,8 +228,8 @@
         </p:nvSpPr>
         <p:spPr>
           <a:xfrm>
-            <a:off x="685800" y="1143000"/>
-            <a:ext cx="5486400" cy="3086100"/>
+            <a:off x="482600" y="1279525"/>
+            <a:ext cx="6140450" cy="3454400"/>
           </a:xfrm>
           <a:prstGeom prst="rect">
             <a:avLst/>
@@ -242,7 +242,7 @@
           </a:ln>
         </p:spPr>
         <p:txBody>
-          <a:bodyPr vert="horz" lIns="91440" tIns="45720" rIns="91440" bIns="45720" rtlCol="0" anchor="ctr"/>
+          <a:bodyPr vert="horz" lIns="99075" tIns="49538" rIns="99075" bIns="49538" rtlCol="0" anchor="ctr"/>
           <a:lstStyle/>
           <a:p>
             <a:endParaRPr lang="ko-KR" altLang="en-US"/>
@@ -261,15 +261,15 @@
         </p:nvSpPr>
         <p:spPr>
           <a:xfrm>
-            <a:off x="685800" y="4400550"/>
-            <a:ext cx="5486400" cy="3600450"/>
+            <a:off x="710407" y="4925407"/>
+            <a:ext cx="5683250" cy="4029879"/>
           </a:xfrm>
           <a:prstGeom prst="rect">
             <a:avLst/>
           </a:prstGeom>
         </p:spPr>
         <p:txBody>
-          <a:bodyPr vert="horz" lIns="91440" tIns="45720" rIns="91440" bIns="45720" rtlCol="0"/>
+          <a:bodyPr vert="horz" lIns="99075" tIns="49538" rIns="99075" bIns="49538" rtlCol="0"/>
           <a:lstStyle/>
           <a:p>
             <a:pPr lvl="0"/>
@@ -320,18 +320,18 @@
         </p:nvSpPr>
         <p:spPr>
           <a:xfrm>
-            <a:off x="0" y="8685213"/>
-            <a:ext cx="2971800" cy="458787"/>
+            <a:off x="0" y="9721107"/>
+            <a:ext cx="3078427" cy="513507"/>
           </a:xfrm>
           <a:prstGeom prst="rect">
             <a:avLst/>
           </a:prstGeom>
         </p:spPr>
         <p:txBody>
-          <a:bodyPr vert="horz" lIns="91440" tIns="45720" rIns="91440" bIns="45720" rtlCol="0" anchor="b"/>
+          <a:bodyPr vert="horz" lIns="99075" tIns="49538" rIns="99075" bIns="49538" rtlCol="0" anchor="b"/>
           <a:lstStyle>
             <a:lvl1pPr algn="l">
-              <a:defRPr sz="1200"/>
+              <a:defRPr sz="1300"/>
             </a:lvl1pPr>
           </a:lstStyle>
           <a:p>
@@ -351,18 +351,18 @@
         </p:nvSpPr>
         <p:spPr>
           <a:xfrm>
-            <a:off x="3884613" y="8685213"/>
-            <a:ext cx="2971800" cy="458787"/>
+            <a:off x="4023992" y="9721107"/>
+            <a:ext cx="3078427" cy="513507"/>
           </a:xfrm>
           <a:prstGeom prst="rect">
             <a:avLst/>
           </a:prstGeom>
         </p:spPr>
         <p:txBody>
-          <a:bodyPr vert="horz" lIns="91440" tIns="45720" rIns="91440" bIns="45720" rtlCol="0" anchor="b"/>
+          <a:bodyPr vert="horz" lIns="99075" tIns="49538" rIns="99075" bIns="49538" rtlCol="0" anchor="b"/>
           <a:lstStyle>
             <a:lvl1pPr algn="r">
-              <a:defRPr sz="1200"/>
+              <a:defRPr sz="1300"/>
             </a:lvl1pPr>
           </a:lstStyle>
           <a:p>
@@ -1044,7 +1044,7 @@
           <a:p>
             <a:fld id="{B31B4CB9-8624-4A43-B9D3-C194A257225F}" type="datetime1">
               <a:rPr lang="ko-KR" altLang="en-US" smtClean="0"/>
-              <a:t>2019-12-07</a:t>
+              <a:t>2019-12-09</a:t>
             </a:fld>
             <a:endParaRPr lang="ko-KR" altLang="en-US"/>
           </a:p>
@@ -1213,7 +1213,7 @@
           <a:p>
             <a:fld id="{FB00FDBE-F99D-46CF-99C9-539110D11259}" type="datetime1">
               <a:rPr lang="ko-KR" altLang="en-US" smtClean="0"/>
-              <a:t>2019-12-07</a:t>
+              <a:t>2019-12-09</a:t>
             </a:fld>
             <a:endParaRPr lang="ko-KR" altLang="en-US"/>
           </a:p>
@@ -1429,7 +1429,7 @@
           <a:p>
             <a:fld id="{A9ECEB7D-91D8-4765-BEA8-09FEBD8C5C7B}" type="datetime1">
               <a:rPr lang="ko-KR" altLang="en-US" smtClean="0"/>
-              <a:t>2019-12-07</a:t>
+              <a:t>2019-12-09</a:t>
             </a:fld>
             <a:endParaRPr lang="ko-KR" altLang="en-US"/>
           </a:p>
@@ -1646,7 +1646,7 @@
           <a:p>
             <a:fld id="{E90B8EF0-5178-4D4C-8C25-D4142CCE0CD1}" type="datetime1">
               <a:rPr lang="ko-KR" altLang="en-US" smtClean="0"/>
-              <a:t>2019-12-07</a:t>
+              <a:t>2019-12-09</a:t>
             </a:fld>
             <a:endParaRPr lang="ko-KR" altLang="en-US"/>
           </a:p>
@@ -1948,7 +1948,7 @@
           <a:p>
             <a:fld id="{705C951F-3236-4F4C-B9F2-0B39C9044ECF}" type="datetime1">
               <a:rPr lang="ko-KR" altLang="en-US" smtClean="0"/>
-              <a:t>2019-12-07</a:t>
+              <a:t>2019-12-09</a:t>
             </a:fld>
             <a:endParaRPr lang="ko-KR" altLang="en-US"/>
           </a:p>
@@ -2221,7 +2221,7 @@
           <a:p>
             <a:fld id="{75F3D5B2-637A-46AB-9D4D-C1E59844FDF4}" type="datetime1">
               <a:rPr lang="ko-KR" altLang="en-US" smtClean="0"/>
-              <a:t>2019-12-07</a:t>
+              <a:t>2019-12-09</a:t>
             </a:fld>
             <a:endParaRPr lang="ko-KR" altLang="en-US"/>
           </a:p>
@@ -2641,7 +2641,7 @@
           <a:p>
             <a:fld id="{7347AE76-3356-44F1-B259-6B3D2717441D}" type="datetime1">
               <a:rPr lang="ko-KR" altLang="en-US" smtClean="0"/>
-              <a:t>2019-12-07</a:t>
+              <a:t>2019-12-09</a:t>
             </a:fld>
             <a:endParaRPr lang="ko-KR" altLang="en-US"/>
           </a:p>
@@ -2790,7 +2790,7 @@
           <a:p>
             <a:fld id="{D702DE79-4E82-404E-AFF1-0B0A945321C5}" type="datetime1">
               <a:rPr lang="ko-KR" altLang="en-US" smtClean="0"/>
-              <a:t>2019-12-07</a:t>
+              <a:t>2019-12-09</a:t>
             </a:fld>
             <a:endParaRPr lang="ko-KR" altLang="en-US"/>
           </a:p>
@@ -2911,7 +2911,7 @@
           <a:p>
             <a:fld id="{0A9B4BA1-FB25-4705-83ED-C4443AF847DA}" type="datetime1">
               <a:rPr lang="ko-KR" altLang="en-US" smtClean="0"/>
-              <a:t>2019-12-07</a:t>
+              <a:t>2019-12-09</a:t>
             </a:fld>
             <a:endParaRPr lang="ko-KR" altLang="en-US"/>
           </a:p>
@@ -3230,7 +3230,7 @@
           <a:p>
             <a:fld id="{03F92274-1BDA-4903-81B8-01C875E83629}" type="datetime1">
               <a:rPr lang="ko-KR" altLang="en-US" smtClean="0"/>
-              <a:t>2019-12-07</a:t>
+              <a:t>2019-12-09</a:t>
             </a:fld>
             <a:endParaRPr lang="ko-KR" altLang="en-US"/>
           </a:p>
@@ -3526,7 +3526,7 @@
           <a:p>
             <a:fld id="{0C57DD76-92DD-4AB3-970E-5B836BE6FD42}" type="datetime1">
               <a:rPr lang="ko-KR" altLang="en-US" smtClean="0"/>
-              <a:t>2019-12-07</a:t>
+              <a:t>2019-12-09</a:t>
             </a:fld>
             <a:endParaRPr lang="ko-KR" altLang="en-US"/>
           </a:p>
@@ -3775,7 +3775,7 @@
           <a:p>
             <a:fld id="{9FDAB679-50A1-4A3D-9E10-2FCF5F56501C}" type="datetime1">
               <a:rPr lang="ko-KR" altLang="en-US" smtClean="0"/>
-              <a:t>2019-12-07</a:t>
+              <a:t>2019-12-09</a:t>
             </a:fld>
             <a:endParaRPr lang="ko-KR" altLang="en-US"/>
           </a:p>
@@ -4946,7 +4946,7 @@
             </a:pPr>
             <a:r>
               <a:rPr lang="en-US" altLang="ko-KR" dirty="0" err="1"/>
-              <a:t>check_pentagon</a:t>
+              <a:t>check_pentago</a:t>
             </a:r>
             <a:r>
               <a:rPr lang="en-US" altLang="ko-KR" dirty="0"/>
@@ -5035,9 +5035,6 @@
   <p:clrMapOvr>
     <a:masterClrMapping/>
   </p:clrMapOvr>
-  <p:transition spd="slow">
-    <p:wipe dir="d"/>
-  </p:transition>
 </p:sld>
 </file>
 
@@ -5351,7 +5348,7 @@
             </a:pPr>
             <a:r>
               <a:rPr lang="en-US" altLang="ko-KR" dirty="0" err="1"/>
-              <a:t>check_pentagon</a:t>
+              <a:t>check_pentago</a:t>
             </a:r>
             <a:r>
               <a:rPr lang="en-US" altLang="ko-KR" dirty="0"/>
@@ -5439,18 +5436,6 @@
   <p:clrMapOvr>
     <a:masterClrMapping/>
   </p:clrMapOvr>
-  <mc:AlternateContent xmlns:mc="http://schemas.openxmlformats.org/markup-compatibility/2006" xmlns:p159="http://schemas.microsoft.com/office/powerpoint/2015/09/main">
-    <mc:Choice Requires="p159">
-      <p:transition xmlns:p14="http://schemas.microsoft.com/office/powerpoint/2010/main" spd="slow" p14:dur="2000">
-        <p159:morph option="byObject"/>
-      </p:transition>
-    </mc:Choice>
-    <mc:Fallback xmlns="">
-      <p:transition spd="slow">
-        <p:fade/>
-      </p:transition>
-    </mc:Fallback>
-  </mc:AlternateContent>
 </p:sld>
 </file>
 
@@ -5612,18 +5597,6 @@
   <p:clrMapOvr>
     <a:masterClrMapping/>
   </p:clrMapOvr>
-  <mc:AlternateContent xmlns:mc="http://schemas.openxmlformats.org/markup-compatibility/2006" xmlns:p159="http://schemas.microsoft.com/office/powerpoint/2015/09/main">
-    <mc:Choice Requires="p159">
-      <p:transition xmlns:p14="http://schemas.microsoft.com/office/powerpoint/2010/main" spd="slow" p14:dur="2000">
-        <p159:morph option="byObject"/>
-      </p:transition>
-    </mc:Choice>
-    <mc:Fallback xmlns="">
-      <p:transition spd="slow">
-        <p:fade/>
-      </p:transition>
-    </mc:Fallback>
-  </mc:AlternateContent>
 </p:sld>
 </file>
 
@@ -5857,18 +5830,6 @@
   <p:clrMapOvr>
     <a:masterClrMapping/>
   </p:clrMapOvr>
-  <mc:AlternateContent xmlns:mc="http://schemas.openxmlformats.org/markup-compatibility/2006" xmlns:p14="http://schemas.microsoft.com/office/powerpoint/2010/main">
-    <mc:Choice Requires="p14">
-      <p:transition spd="med" p14:dur="700">
-        <p:fade/>
-      </p:transition>
-    </mc:Choice>
-    <mc:Fallback xmlns="">
-      <p:transition spd="med">
-        <p:fade/>
-      </p:transition>
-    </mc:Fallback>
-  </mc:AlternateContent>
 </p:sld>
 </file>
 
@@ -7052,6 +7013,11 @@
               <a:rPr lang="ko-KR" altLang="en-US" dirty="0"/>
               <a:t>산출물 관련 도구</a:t>
             </a:r>
+          </a:p>
+          <a:p>
+            <a:pPr marL="2286000" lvl="5" indent="0">
+              <a:buNone/>
+            </a:pPr>
             <a:endParaRPr lang="en-US" altLang="ko-KR" dirty="0"/>
           </a:p>
         </p:txBody>
@@ -7070,16 +7036,15 @@
           </p:cNvPicPr>
           <p:nvPr/>
         </p:nvPicPr>
-        <p:blipFill>
+        <p:blipFill rotWithShape="1">
           <a:blip r:embed="rId2"/>
-          <a:stretch>
-            <a:fillRect/>
-          </a:stretch>
+          <a:srcRect r="74743"/>
+          <a:stretch/>
         </p:blipFill>
         <p:spPr>
           <a:xfrm>
-            <a:off x="1890710" y="2471737"/>
-            <a:ext cx="8410575" cy="1914525"/>
+            <a:off x="1890711" y="2471737"/>
+            <a:ext cx="2124242" cy="1914525"/>
           </a:xfrm>
           <a:prstGeom prst="rect">
             <a:avLst/>
@@ -7121,6 +7086,93 @@
           </a:p>
         </p:txBody>
       </p:sp>
+      <p:pic>
+        <p:nvPicPr>
+          <p:cNvPr id="6" name="그림 5">
+            <a:extLst>
+              <a:ext uri="{FF2B5EF4-FFF2-40B4-BE49-F238E27FC236}">
+                <a16:creationId xmlns:a16="http://schemas.microsoft.com/office/drawing/2014/main" id="{E9C715E6-3566-47A2-9515-3F6C64EF293F}"/>
+              </a:ext>
+            </a:extLst>
+          </p:cNvPr>
+          <p:cNvPicPr>
+            <a:picLocks noChangeAspect="1"/>
+          </p:cNvPicPr>
+          <p:nvPr/>
+        </p:nvPicPr>
+        <p:blipFill rotWithShape="1">
+          <a:blip r:embed="rId2"/>
+          <a:srcRect l="37106" t="41698" r="1" b="40597"/>
+          <a:stretch/>
+        </p:blipFill>
+        <p:spPr>
+          <a:xfrm>
+            <a:off x="4014953" y="3262560"/>
+            <a:ext cx="5289660" cy="338960"/>
+          </a:xfrm>
+          <a:prstGeom prst="rect">
+            <a:avLst/>
+          </a:prstGeom>
+        </p:spPr>
+      </p:pic>
+      <p:pic>
+        <p:nvPicPr>
+          <p:cNvPr id="7" name="그림 6">
+            <a:extLst>
+              <a:ext uri="{FF2B5EF4-FFF2-40B4-BE49-F238E27FC236}">
+                <a16:creationId xmlns:a16="http://schemas.microsoft.com/office/drawing/2014/main" id="{C8070ECA-2B8A-4BAC-87AD-6A27D99FCEAA}"/>
+              </a:ext>
+            </a:extLst>
+          </p:cNvPr>
+          <p:cNvPicPr>
+            <a:picLocks noChangeAspect="1"/>
+          </p:cNvPicPr>
+          <p:nvPr/>
+        </p:nvPicPr>
+        <p:blipFill rotWithShape="1">
+          <a:blip r:embed="rId2"/>
+          <a:srcRect l="34811" b="75655"/>
+          <a:stretch/>
+        </p:blipFill>
+        <p:spPr>
+          <a:xfrm>
+            <a:off x="4014953" y="2450867"/>
+            <a:ext cx="5482788" cy="466097"/>
+          </a:xfrm>
+          <a:prstGeom prst="rect">
+            <a:avLst/>
+          </a:prstGeom>
+        </p:spPr>
+      </p:pic>
+      <p:pic>
+        <p:nvPicPr>
+          <p:cNvPr id="8" name="그림 7">
+            <a:extLst>
+              <a:ext uri="{FF2B5EF4-FFF2-40B4-BE49-F238E27FC236}">
+                <a16:creationId xmlns:a16="http://schemas.microsoft.com/office/drawing/2014/main" id="{315A3836-06DB-4CAF-9677-A14EC0219F0B}"/>
+              </a:ext>
+            </a:extLst>
+          </p:cNvPr>
+          <p:cNvPicPr>
+            <a:picLocks noChangeAspect="1"/>
+          </p:cNvPicPr>
+          <p:nvPr/>
+        </p:nvPicPr>
+        <p:blipFill rotWithShape="1">
+          <a:blip r:embed="rId2"/>
+          <a:srcRect l="50580" t="77802"/>
+          <a:stretch/>
+        </p:blipFill>
+        <p:spPr>
+          <a:xfrm>
+            <a:off x="4020536" y="3940258"/>
+            <a:ext cx="4156513" cy="424984"/>
+          </a:xfrm>
+          <a:prstGeom prst="rect">
+            <a:avLst/>
+          </a:prstGeom>
+        </p:spPr>
+      </p:pic>
     </p:spTree>
     <p:extLst>
       <p:ext uri="{BB962C8B-B14F-4D97-AF65-F5344CB8AC3E}">
@@ -8270,18 +8322,6 @@
   <p:clrMapOvr>
     <a:masterClrMapping/>
   </p:clrMapOvr>
-  <mc:AlternateContent xmlns:mc="http://schemas.openxmlformats.org/markup-compatibility/2006" xmlns:p159="http://schemas.microsoft.com/office/powerpoint/2015/09/main">
-    <mc:Choice Requires="p159">
-      <p:transition xmlns:p14="http://schemas.microsoft.com/office/powerpoint/2010/main" spd="slow" p14:dur="2000">
-        <p159:morph option="byObject"/>
-      </p:transition>
-    </mc:Choice>
-    <mc:Fallback xmlns="">
-      <p:transition spd="slow">
-        <p:fade/>
-      </p:transition>
-    </mc:Fallback>
-  </mc:AlternateContent>
 </p:sld>
 </file>
 
